--- a/V.I.B.E.pptx
+++ b/V.I.B.E.pptx
@@ -262,7 +262,7 @@
       </p15:sldGuideLst>
     </p:ext>
     <p:ext uri="{505F2C04-C923-438B-8C0F-E0CD2BADF298}">
-      <wppc:fontMiss xmlns="" xmlns:wppc="http://www.wps.cn/officeDocument/PresentationCustomData" type="true"/>
+      <wppc:fontMiss xmlns:wppc="http://www.wps.cn/officeDocument/PresentationCustomData" xmlns="" type="true"/>
     </p:ext>
   </p:extLst>
 </p:presentation>
@@ -4196,7 +4196,7 @@
         <p:spPr>
           <a:xfrm>
             <a:off x="90152" y="1617663"/>
-            <a:ext cx="7529848" cy="4708981"/>
+            <a:ext cx="7620000" cy="4708981"/>
           </a:xfrm>
           <a:prstGeom prst="rect">
             <a:avLst/>
@@ -4262,6 +4262,16 @@
             <a:r>
               <a:rPr lang="en-IN" sz="2000" dirty="0"/>
               <a:t>The ideas put up by your “Contacts” will be displayed on your feed. </a:t>
+            </a:r>
+          </a:p>
+          <a:p>
+            <a:pPr marL="342900" indent="-342900">
+              <a:buFont typeface="Arial" panose="020B0604020202020204" pitchFamily="34" charset="0"/>
+              <a:buChar char="•"/>
+            </a:pPr>
+            <a:r>
+              <a:rPr lang="en-IN" sz="2000" dirty="0"/>
+              <a:t>Furthermore, users can use the search engine for more ideas.</a:t>
             </a:r>
           </a:p>
         </p:txBody>
@@ -5027,7 +5037,7 @@
         <p:spPr>
           <a:xfrm>
             <a:off x="399246" y="1815921"/>
-            <a:ext cx="7225047" cy="4278094"/>
+            <a:ext cx="7225047" cy="3170099"/>
           </a:xfrm>
           <a:prstGeom prst="rect">
             <a:avLst/>
@@ -5041,42 +5051,81 @@
           <a:lstStyle/>
           <a:p>
             <a:r>
-              <a:rPr lang="en-IN" sz="2400" dirty="0"/>
+              <a:rPr lang="en-IN" sz="2000" dirty="0"/>
               <a:t> </a:t>
             </a:r>
             <a:r>
-              <a:rPr lang="en-IN" sz="2800" b="1" dirty="0"/>
+              <a:rPr lang="en-IN" sz="2000" b="1" dirty="0"/>
               <a:t>A Content Based Recommender for recommending users with similar ideas.</a:t>
             </a:r>
           </a:p>
           <a:p>
-            <a:endParaRPr lang="en-IN" sz="2400" dirty="0"/>
-          </a:p>
-          <a:p>
-            <a:r>
-              <a:rPr lang="en-IN" sz="2400" b="1" dirty="0"/>
+            <a:endParaRPr lang="en-IN" sz="2000" dirty="0"/>
+          </a:p>
+          <a:p>
+            <a:r>
+              <a:rPr lang="en-IN" sz="2000" b="1" dirty="0"/>
               <a:t>		         </a:t>
             </a:r>
             <a:r>
-              <a:rPr lang="en-IN" sz="2400" b="1" u="sng" dirty="0"/>
+              <a:rPr lang="en-IN" sz="2000" b="1" u="sng" dirty="0"/>
               <a:t>Description</a:t>
             </a:r>
           </a:p>
           <a:p>
-            <a:endParaRPr lang="en-IN" sz="2400" u="sng" dirty="0"/>
-          </a:p>
-          <a:p>
-            <a:r>
-              <a:rPr lang="en-IN" sz="2400" dirty="0"/>
+            <a:endParaRPr lang="en-IN" sz="2000" u="sng" dirty="0"/>
+          </a:p>
+          <a:p>
+            <a:r>
+              <a:rPr lang="en-IN" sz="2000" dirty="0"/>
               <a:t>A Machine Learning algorithm which computes the </a:t>
             </a:r>
             <a:r>
-              <a:rPr lang="en-IN" sz="2400" dirty="0" err="1"/>
+              <a:rPr lang="en-IN" sz="2000" dirty="0" err="1"/>
               <a:t>tf-idf</a:t>
             </a:r>
             <a:r>
-              <a:rPr lang="en-IN" sz="2400" dirty="0"/>
+              <a:rPr lang="en-IN" sz="2000" dirty="0"/>
               <a:t> scores of each of the users posts (taking into account both the title and the description of the post) with all the other user’s post(s) and generates the users with the closest match based on cosine similarity. </a:t>
+            </a:r>
+          </a:p>
+        </p:txBody>
+      </p:sp>
+      <p:sp>
+        <p:nvSpPr>
+          <p:cNvPr id="3" name="TextBox 2">
+            <a:extLst>
+              <a:ext uri="{FF2B5EF4-FFF2-40B4-BE49-F238E27FC236}">
+                <a16:creationId xmlns:a16="http://schemas.microsoft.com/office/drawing/2014/main" id="{CE542431-09E6-4DF2-871A-B17CF19282F3}"/>
+              </a:ext>
+            </a:extLst>
+          </p:cNvPr>
+          <p:cNvSpPr txBox="1"/>
+          <p:nvPr/>
+        </p:nvSpPr>
+        <p:spPr>
+          <a:xfrm>
+            <a:off x="399246" y="5361057"/>
+            <a:ext cx="6851561" cy="707886"/>
+          </a:xfrm>
+          <a:prstGeom prst="rect">
+            <a:avLst/>
+          </a:prstGeom>
+          <a:noFill/>
+        </p:spPr>
+        <p:txBody>
+          <a:bodyPr wrap="square" rtlCol="0">
+            <a:spAutoFit/>
+          </a:bodyPr>
+          <a:lstStyle/>
+          <a:p>
+            <a:r>
+              <a:rPr lang="en-IN" sz="2000" b="1" u="sng" dirty="0"/>
+              <a:t>Search Engine</a:t>
+            </a:r>
+            <a:r>
+              <a:rPr lang="en-IN" sz="2000" dirty="0"/>
+              <a:t>: Scrapes google search results to find the best match for a particular query!</a:t>
             </a:r>
           </a:p>
         </p:txBody>

--- a/V.I.B.E.pptx
+++ b/V.I.B.E.pptx
@@ -262,7 +262,7 @@
       </p15:sldGuideLst>
     </p:ext>
     <p:ext uri="{505F2C04-C923-438B-8C0F-E0CD2BADF298}">
-      <wppc:fontMiss xmlns:wppc="http://www.wps.cn/officeDocument/PresentationCustomData" xmlns="" type="true"/>
+      <wppc:fontMiss xmlns="" xmlns:wppc="http://www.wps.cn/officeDocument/PresentationCustomData" type="true"/>
     </p:ext>
   </p:extLst>
 </p:presentation>
